--- a/test_presentation.pptx
+++ b/test_presentation.pptx
@@ -10,6 +10,8 @@
     <p:sldId id="258" r:id="rId9"/>
     <p:sldId id="259" r:id="rId10"/>
     <p:sldId id="260" r:id="rId11"/>
+    <p:sldId id="261" r:id="rId12"/>
+    <p:sldId id="262" r:id="rId13"/>
   </p:sldIdLst>
   <p:sldSz cx="9144000" cy="6858000" type="screen4x3"/>
   <p:notesSz cx="6858000" cy="9144000"/>
@@ -3141,7 +3143,7 @@
         </p:nvSpPr>
         <p:spPr>
           <a:xfrm>
-            <a:off x="914400" y="2971800"/>
+            <a:off x="457200" y="457200"/>
             <a:ext cx="7315200" cy="914400"/>
           </a:xfrm>
           <a:prstGeom prst="rect">
@@ -3164,8 +3166,13 @@
               </a:defRPr>
             </a:pPr>
             <a:r>
-              <a:t>ここにテキストを入力</a:t>
-            </a:r>
+              <a:t>＜前時の学習の振り返り＞・前回の学習</a:t>
+            </a:r>
+            <a:br/>
+            <a:r>
+              <a:t>内容の確認。</a:t>
+            </a:r>
+            <a:br/>
           </a:p>
         </p:txBody>
       </p:sp>
@@ -3236,7 +3243,7 @@
         </p:nvSpPr>
         <p:spPr>
           <a:xfrm>
-            <a:off x="914400" y="2971800"/>
+            <a:off x="457200" y="457200"/>
             <a:ext cx="7315200" cy="914400"/>
           </a:xfrm>
           <a:prstGeom prst="rect">
@@ -3259,8 +3266,13 @@
               </a:defRPr>
             </a:pPr>
             <a:r>
-              <a:t>ここにテキストを入力</a:t>
-            </a:r>
+              <a:t>＜骨・筋肉・関節の意味＞・骨: 体の</a:t>
+            </a:r>
+            <a:br/>
+            <a:r>
+              <a:t>硬い部分・筋肉: 体の柔らかい部分・関節: 骨と骨の間。</a:t>
+            </a:r>
+            <a:br/>
           </a:p>
         </p:txBody>
       </p:sp>
@@ -3331,7 +3343,7 @@
         </p:nvSpPr>
         <p:spPr>
           <a:xfrm>
-            <a:off x="914400" y="2971800"/>
+            <a:off x="457200" y="457200"/>
             <a:ext cx="7315200" cy="914400"/>
           </a:xfrm>
           <a:prstGeom prst="rect">
@@ -3354,8 +3366,13 @@
               </a:defRPr>
             </a:pPr>
             <a:r>
-              <a:t>ここにテキストを入力</a:t>
-            </a:r>
+              <a:t>＜実験のねらいと方法＞・実験の目的・</a:t>
+            </a:r>
+            <a:br/>
+            <a:r>
+              <a:t>実験の手順。</a:t>
+            </a:r>
+            <a:br/>
           </a:p>
         </p:txBody>
       </p:sp>
@@ -3426,7 +3443,7 @@
         </p:nvSpPr>
         <p:spPr>
           <a:xfrm>
-            <a:off x="914400" y="2971800"/>
+            <a:off x="457200" y="457200"/>
             <a:ext cx="7315200" cy="914400"/>
           </a:xfrm>
           <a:prstGeom prst="rect">
@@ -3449,8 +3466,13 @@
               </a:defRPr>
             </a:pPr>
             <a:r>
-              <a:t>ここにテキストを入力</a:t>
-            </a:r>
+              <a:t>＜関節の位置の確認＞・関節の位置の特</a:t>
+            </a:r>
+            <a:br/>
+            <a:r>
+              <a:t>定・ワークシートへの記入。</a:t>
+            </a:r>
+            <a:br/>
           </a:p>
         </p:txBody>
       </p:sp>
@@ -3521,7 +3543,7 @@
         </p:nvSpPr>
         <p:spPr>
           <a:xfrm>
-            <a:off x="914400" y="2971800"/>
+            <a:off x="457200" y="457200"/>
             <a:ext cx="7315200" cy="914400"/>
           </a:xfrm>
           <a:prstGeom prst="rect">
@@ -3544,8 +3566,213 @@
               </a:defRPr>
             </a:pPr>
             <a:r>
-              <a:t>ここにテキストを入力</a:t>
-            </a:r>
+              <a:t>＜骨の位置の確認＞・骨の位置の特定・</a:t>
+            </a:r>
+            <a:br/>
+            <a:r>
+              <a:t>ワークシートへの記入。</a:t>
+            </a:r>
+            <a:br/>
+          </a:p>
+        </p:txBody>
+      </p:sp>
+    </p:spTree>
+  </p:cSld>
+  <p:clrMapOvr>
+    <a:masterClrMapping/>
+  </p:clrMapOvr>
+</p:sld>
+</file>
+
+<file path=ppt/slides/slide6.xml><?xml version="1.0" encoding="utf-8"?>
+<p:sld xmlns:a="http://schemas.openxmlformats.org/drawingml/2006/main" xmlns:p="http://schemas.openxmlformats.org/presentationml/2006/main" xmlns:r="http://schemas.openxmlformats.org/officeDocument/2006/relationships">
+  <p:cSld>
+    <p:spTree>
+      <p:nvGrpSpPr>
+        <p:cNvPr id="1" name=""/>
+        <p:cNvGrpSpPr/>
+        <p:nvPr/>
+      </p:nvGrpSpPr>
+      <p:grpSpPr/>
+      <p:sp>
+        <p:nvSpPr>
+          <p:cNvPr id="2" name="Title 1"/>
+          <p:cNvSpPr>
+            <a:spLocks noGrp="1"/>
+          </p:cNvSpPr>
+          <p:nvPr>
+            <p:ph type="title"/>
+          </p:nvPr>
+        </p:nvSpPr>
+        <p:spPr/>
+        <p:txBody>
+          <a:bodyPr/>
+          <a:lstStyle/>
+          <a:p/>
+        </p:txBody>
+      </p:sp>
+      <p:pic>
+        <p:nvPicPr>
+          <p:cNvPr id="3" name="Picture 2" descr="kokuban.png"/>
+          <p:cNvPicPr>
+            <a:picLocks noChangeAspect="1"/>
+          </p:cNvPicPr>
+          <p:nvPr/>
+        </p:nvPicPr>
+        <p:blipFill>
+          <a:blip r:embed="rId2"/>
+          <a:stretch>
+            <a:fillRect/>
+          </a:stretch>
+        </p:blipFill>
+        <p:spPr>
+          <a:xfrm>
+            <a:off x="-137160" y="-102870"/>
+            <a:ext cx="9418320" cy="7063740"/>
+          </a:xfrm>
+          <a:prstGeom prst="rect">
+            <a:avLst/>
+          </a:prstGeom>
+        </p:spPr>
+      </p:pic>
+      <p:sp>
+        <p:nvSpPr>
+          <p:cNvPr id="4" name="TextBox 3"/>
+          <p:cNvSpPr txBox="1"/>
+          <p:nvPr/>
+        </p:nvSpPr>
+        <p:spPr>
+          <a:xfrm>
+            <a:off x="457200" y="457200"/>
+            <a:ext cx="7315200" cy="914400"/>
+          </a:xfrm>
+          <a:prstGeom prst="rect">
+            <a:avLst/>
+          </a:prstGeom>
+          <a:noFill/>
+        </p:spPr>
+        <p:txBody>
+          <a:bodyPr wrap="none">
+            <a:spAutoFit/>
+          </a:bodyPr>
+          <a:lstStyle/>
+          <a:p/>
+          <a:p>
+            <a:pPr>
+              <a:defRPr sz="2800">
+                <a:solidFill>
+                  <a:srgbClr val="FFFFFF"/>
+                </a:solidFill>
+              </a:defRPr>
+            </a:pPr>
+            <a:r>
+              <a:t>＜関節と骨の位置の視覚化＞・関節と骨</a:t>
+            </a:r>
+            <a:br/>
+            <a:r>
+              <a:t>の位置のイラスト。</a:t>
+            </a:r>
+            <a:br/>
+          </a:p>
+        </p:txBody>
+      </p:sp>
+    </p:spTree>
+  </p:cSld>
+  <p:clrMapOvr>
+    <a:masterClrMapping/>
+  </p:clrMapOvr>
+</p:sld>
+</file>
+
+<file path=ppt/slides/slide7.xml><?xml version="1.0" encoding="utf-8"?>
+<p:sld xmlns:a="http://schemas.openxmlformats.org/drawingml/2006/main" xmlns:p="http://schemas.openxmlformats.org/presentationml/2006/main" xmlns:r="http://schemas.openxmlformats.org/officeDocument/2006/relationships">
+  <p:cSld>
+    <p:spTree>
+      <p:nvGrpSpPr>
+        <p:cNvPr id="1" name=""/>
+        <p:cNvGrpSpPr/>
+        <p:nvPr/>
+      </p:nvGrpSpPr>
+      <p:grpSpPr/>
+      <p:sp>
+        <p:nvSpPr>
+          <p:cNvPr id="2" name="Title 1"/>
+          <p:cNvSpPr>
+            <a:spLocks noGrp="1"/>
+          </p:cNvSpPr>
+          <p:nvPr>
+            <p:ph type="title"/>
+          </p:nvPr>
+        </p:nvSpPr>
+        <p:spPr/>
+        <p:txBody>
+          <a:bodyPr/>
+          <a:lstStyle/>
+          <a:p/>
+        </p:txBody>
+      </p:sp>
+      <p:pic>
+        <p:nvPicPr>
+          <p:cNvPr id="3" name="Picture 2" descr="kokuban.png"/>
+          <p:cNvPicPr>
+            <a:picLocks noChangeAspect="1"/>
+          </p:cNvPicPr>
+          <p:nvPr/>
+        </p:nvPicPr>
+        <p:blipFill>
+          <a:blip r:embed="rId2"/>
+          <a:stretch>
+            <a:fillRect/>
+          </a:stretch>
+        </p:blipFill>
+        <p:spPr>
+          <a:xfrm>
+            <a:off x="-137160" y="-102870"/>
+            <a:ext cx="9418320" cy="7063740"/>
+          </a:xfrm>
+          <a:prstGeom prst="rect">
+            <a:avLst/>
+          </a:prstGeom>
+        </p:spPr>
+      </p:pic>
+      <p:sp>
+        <p:nvSpPr>
+          <p:cNvPr id="4" name="TextBox 3"/>
+          <p:cNvSpPr txBox="1"/>
+          <p:nvPr/>
+        </p:nvSpPr>
+        <p:spPr>
+          <a:xfrm>
+            <a:off x="457200" y="457200"/>
+            <a:ext cx="7315200" cy="914400"/>
+          </a:xfrm>
+          <a:prstGeom prst="rect">
+            <a:avLst/>
+          </a:prstGeom>
+          <a:noFill/>
+        </p:spPr>
+        <p:txBody>
+          <a:bodyPr wrap="none">
+            <a:spAutoFit/>
+          </a:bodyPr>
+          <a:lstStyle/>
+          <a:p/>
+          <a:p>
+            <a:pPr>
+              <a:defRPr sz="2800">
+                <a:solidFill>
+                  <a:srgbClr val="FFFFFF"/>
+                </a:solidFill>
+              </a:defRPr>
+            </a:pPr>
+            <a:r>
+              <a:t>＜今日の学習の振り返り＞・今日学んだ</a:t>
+            </a:r>
+            <a:br/>
+            <a:r>
+              <a:t>ことの要約・次回の学習へのつなげ方。</a:t>
+            </a:r>
+            <a:br/>
           </a:p>
         </p:txBody>
       </p:sp>

--- a/test_presentation.pptx
+++ b/test_presentation.pptx
@@ -12,6 +12,7 @@
     <p:sldId id="260" r:id="rId11"/>
     <p:sldId id="261" r:id="rId12"/>
     <p:sldId id="262" r:id="rId13"/>
+    <p:sldId id="263" r:id="rId14"/>
   </p:sldIdLst>
   <p:sldSz cx="9144000" cy="6858000" type="screen4x3"/>
   <p:notesSz cx="6858000" cy="9144000"/>
@@ -3166,12 +3167,9 @@
               </a:defRPr>
             </a:pPr>
             <a:r>
-              <a:t>＜前時の学習の振り返り＞・前回の学習</a:t>
+              <a:t>＜前時の学習の振り返り＞</a:t>
             </a:r>
             <a:br/>
-            <a:r>
-              <a:t>内容の確認。</a:t>
-            </a:r>
             <a:br/>
           </a:p>
         </p:txBody>
@@ -3266,13 +3264,22 @@
               </a:defRPr>
             </a:pPr>
             <a:r>
-              <a:t>＜骨・筋肉・関節の意味＞・骨: 体の</a:t>
+              <a:t>＜腕の動きを調べよう＞</a:t>
             </a:r>
             <a:br/>
-            <a:r>
-              <a:t>硬い部分・筋肉: 体の柔らかい部分・関節: 骨と骨の間。</a:t>
-            </a:r>
             <a:br/>
+            <a:br/>
+            <a:r>
+              <a:t>・骨はうでのかたいぼうの部分</a:t>
+            </a:r>
+            <a:br/>
+            <a:r>
+              <a:t>・筋肉はうでの柔らかい部分</a:t>
+            </a:r>
+            <a:br/>
+            <a:r>
+              <a:t>・関節は骨と骨の間にある</a:t>
+            </a:r>
           </a:p>
         </p:txBody>
       </p:sp>
@@ -3366,12 +3373,9 @@
               </a:defRPr>
             </a:pPr>
             <a:r>
-              <a:t>＜実験のねらいと方法＞・実験の目的・</a:t>
+              <a:t>＜実験のねらいと方法＞</a:t>
             </a:r>
             <a:br/>
-            <a:r>
-              <a:t>実験の手順。</a:t>
-            </a:r>
             <a:br/>
           </a:p>
         </p:txBody>
@@ -3466,13 +3470,14 @@
               </a:defRPr>
             </a:pPr>
             <a:r>
-              <a:t>＜関節の位置の確認＞・関節の位置の特</a:t>
+              <a:t>＜関節の位置の確認＞</a:t>
             </a:r>
             <a:br/>
-            <a:r>
-              <a:t>定・ワークシートへの記入。</a:t>
-            </a:r>
             <a:br/>
+            <a:br/>
+            <a:r>
+              <a:t>・関節は骨と骨の間にある</a:t>
+            </a:r>
           </a:p>
         </p:txBody>
       </p:sp>
@@ -3566,13 +3571,14 @@
               </a:defRPr>
             </a:pPr>
             <a:r>
-              <a:t>＜骨の位置の確認＞・骨の位置の特定・</a:t>
+              <a:t>＜骨の位置の確認＞</a:t>
             </a:r>
             <a:br/>
-            <a:r>
-              <a:t>ワークシートへの記入。</a:t>
-            </a:r>
             <a:br/>
+            <a:br/>
+            <a:r>
+              <a:t>・骨は体を支える固い部分</a:t>
+            </a:r>
           </a:p>
         </p:txBody>
       </p:sp>
@@ -3666,13 +3672,18 @@
               </a:defRPr>
             </a:pPr>
             <a:r>
-              <a:t>＜関節と骨の位置の視覚化＞・関節と骨</a:t>
+              <a:t>＜関節と骨の位置の視覚化＞</a:t>
             </a:r>
             <a:br/>
-            <a:r>
-              <a:t>の位置のイラスト。</a:t>
-            </a:r>
             <a:br/>
+            <a:br/>
+            <a:r>
+              <a:t>・関節は赤シール</a:t>
+            </a:r>
+            <a:br/>
+            <a:r>
+              <a:t>・骨は青色線</a:t>
+            </a:r>
           </a:p>
         </p:txBody>
       </p:sp>
@@ -3766,12 +3777,114 @@
               </a:defRPr>
             </a:pPr>
             <a:r>
-              <a:t>＜今日の学習の振り返り＞・今日学んだ</a:t>
+              <a:t>＜X線画像での確認＞</a:t>
             </a:r>
             <a:br/>
-            <a:r>
-              <a:t>ことの要約・次回の学習へのつなげ方。</a:t>
-            </a:r>
+            <a:br/>
+            <a:br/>
+            <a:r>
+              <a:t>・骨は白く写る</a:t>
+            </a:r>
+            <a:br/>
+            <a:r>
+              <a:t>・関節は黒く写る</a:t>
+            </a:r>
+          </a:p>
+        </p:txBody>
+      </p:sp>
+    </p:spTree>
+  </p:cSld>
+  <p:clrMapOvr>
+    <a:masterClrMapping/>
+  </p:clrMapOvr>
+</p:sld>
+</file>
+
+<file path=ppt/slides/slide8.xml><?xml version="1.0" encoding="utf-8"?>
+<p:sld xmlns:a="http://schemas.openxmlformats.org/drawingml/2006/main" xmlns:p="http://schemas.openxmlformats.org/presentationml/2006/main" xmlns:r="http://schemas.openxmlformats.org/officeDocument/2006/relationships">
+  <p:cSld>
+    <p:spTree>
+      <p:nvGrpSpPr>
+        <p:cNvPr id="1" name=""/>
+        <p:cNvGrpSpPr/>
+        <p:nvPr/>
+      </p:nvGrpSpPr>
+      <p:grpSpPr/>
+      <p:sp>
+        <p:nvSpPr>
+          <p:cNvPr id="2" name="Title 1"/>
+          <p:cNvSpPr>
+            <a:spLocks noGrp="1"/>
+          </p:cNvSpPr>
+          <p:nvPr>
+            <p:ph type="title"/>
+          </p:nvPr>
+        </p:nvSpPr>
+        <p:spPr/>
+        <p:txBody>
+          <a:bodyPr/>
+          <a:lstStyle/>
+          <a:p/>
+        </p:txBody>
+      </p:sp>
+      <p:pic>
+        <p:nvPicPr>
+          <p:cNvPr id="3" name="Picture 2" descr="kokuban.png"/>
+          <p:cNvPicPr>
+            <a:picLocks noChangeAspect="1"/>
+          </p:cNvPicPr>
+          <p:nvPr/>
+        </p:nvPicPr>
+        <p:blipFill>
+          <a:blip r:embed="rId2"/>
+          <a:stretch>
+            <a:fillRect/>
+          </a:stretch>
+        </p:blipFill>
+        <p:spPr>
+          <a:xfrm>
+            <a:off x="-137160" y="-102870"/>
+            <a:ext cx="9418320" cy="7063740"/>
+          </a:xfrm>
+          <a:prstGeom prst="rect">
+            <a:avLst/>
+          </a:prstGeom>
+        </p:spPr>
+      </p:pic>
+      <p:sp>
+        <p:nvSpPr>
+          <p:cNvPr id="4" name="TextBox 3"/>
+          <p:cNvSpPr txBox="1"/>
+          <p:nvPr/>
+        </p:nvSpPr>
+        <p:spPr>
+          <a:xfrm>
+            <a:off x="457200" y="457200"/>
+            <a:ext cx="7315200" cy="914400"/>
+          </a:xfrm>
+          <a:prstGeom prst="rect">
+            <a:avLst/>
+          </a:prstGeom>
+          <a:noFill/>
+        </p:spPr>
+        <p:txBody>
+          <a:bodyPr wrap="none">
+            <a:spAutoFit/>
+          </a:bodyPr>
+          <a:lstStyle/>
+          <a:p/>
+          <a:p>
+            <a:pPr>
+              <a:defRPr sz="2800">
+                <a:solidFill>
+                  <a:srgbClr val="FFFFFF"/>
+                </a:solidFill>
+              </a:defRPr>
+            </a:pPr>
+            <a:r>
+              <a:t>＜本時の学習のまとめ＞</a:t>
+            </a:r>
+            <a:br/>
             <a:br/>
           </a:p>
         </p:txBody>
